--- a/2023-2024/Wyk/Wyklad13.pptx
+++ b/2023-2024/Wyk/Wyklad13.pptx
@@ -5,26 +5,27 @@
     <p:sldMasterId id="2147483696" r:id="rId1"/>
   </p:sldMasterIdLst>
   <p:notesMasterIdLst>
-    <p:notesMasterId r:id="rId16"/>
+    <p:notesMasterId r:id="rId17"/>
   </p:notesMasterIdLst>
   <p:handoutMasterIdLst>
-    <p:handoutMasterId r:id="rId17"/>
+    <p:handoutMasterId r:id="rId18"/>
   </p:handoutMasterIdLst>
   <p:sldIdLst>
     <p:sldId id="346" r:id="rId2"/>
     <p:sldId id="513" r:id="rId3"/>
     <p:sldId id="514" r:id="rId4"/>
-    <p:sldId id="515" r:id="rId5"/>
-    <p:sldId id="516" r:id="rId6"/>
-    <p:sldId id="517" r:id="rId7"/>
-    <p:sldId id="519" r:id="rId8"/>
-    <p:sldId id="521" r:id="rId9"/>
-    <p:sldId id="520" r:id="rId10"/>
-    <p:sldId id="522" r:id="rId11"/>
-    <p:sldId id="518" r:id="rId12"/>
-    <p:sldId id="523" r:id="rId13"/>
-    <p:sldId id="524" r:id="rId14"/>
-    <p:sldId id="525" r:id="rId15"/>
+    <p:sldId id="526" r:id="rId5"/>
+    <p:sldId id="515" r:id="rId6"/>
+    <p:sldId id="516" r:id="rId7"/>
+    <p:sldId id="517" r:id="rId8"/>
+    <p:sldId id="519" r:id="rId9"/>
+    <p:sldId id="521" r:id="rId10"/>
+    <p:sldId id="520" r:id="rId11"/>
+    <p:sldId id="522" r:id="rId12"/>
+    <p:sldId id="518" r:id="rId13"/>
+    <p:sldId id="523" r:id="rId14"/>
+    <p:sldId id="524" r:id="rId15"/>
+    <p:sldId id="525" r:id="rId16"/>
   </p:sldIdLst>
   <p:sldSz cx="9144000" cy="6858000" type="screen4x3"/>
   <p:notesSz cx="6858000" cy="9144000"/>
@@ -285,7 +286,7 @@
           <a:p>
             <a:fld id="{5113504E-0C99-2340-A5F6-DD6E1A87C372}" type="datetimeFigureOut">
               <a:rPr lang="pl-PL" smtClean="0"/>
-              <a:t>07.12.2023</a:t>
+              <a:t>08.12.2023</a:t>
             </a:fld>
             <a:endParaRPr lang="pl-PL"/>
           </a:p>
@@ -451,7 +452,7 @@
           <a:p>
             <a:fld id="{F78C933E-44E9-2D43-91B0-0D2BEEFA7EB9}" type="datetimeFigureOut">
               <a:rPr lang="pl-PL" smtClean="0"/>
-              <a:t>07.12.2023</a:t>
+              <a:t>08.12.2023</a:t>
             </a:fld>
             <a:endParaRPr lang="pl-PL"/>
           </a:p>
@@ -880,7 +881,7 @@
     </p:spTree>
     <p:extLst>
       <p:ext uri="{BB962C8B-B14F-4D97-AF65-F5344CB8AC3E}">
-        <p14:creationId xmlns:p14="http://schemas.microsoft.com/office/powerpoint/2010/main" val="2932755454"/>
+        <p14:creationId xmlns:p14="http://schemas.microsoft.com/office/powerpoint/2010/main" val="2048700726"/>
       </p:ext>
     </p:extLst>
   </p:cSld>
@@ -967,7 +968,7 @@
     </p:spTree>
     <p:extLst>
       <p:ext uri="{BB962C8B-B14F-4D97-AF65-F5344CB8AC3E}">
-        <p14:creationId xmlns:p14="http://schemas.microsoft.com/office/powerpoint/2010/main" val="1516770824"/>
+        <p14:creationId xmlns:p14="http://schemas.microsoft.com/office/powerpoint/2010/main" val="2932755454"/>
       </p:ext>
     </p:extLst>
   </p:cSld>
@@ -1054,7 +1055,7 @@
     </p:spTree>
     <p:extLst>
       <p:ext uri="{BB962C8B-B14F-4D97-AF65-F5344CB8AC3E}">
-        <p14:creationId xmlns:p14="http://schemas.microsoft.com/office/powerpoint/2010/main" val="165897699"/>
+        <p14:creationId xmlns:p14="http://schemas.microsoft.com/office/powerpoint/2010/main" val="1516770824"/>
       </p:ext>
     </p:extLst>
   </p:cSld>
@@ -1141,7 +1142,7 @@
     </p:spTree>
     <p:extLst>
       <p:ext uri="{BB962C8B-B14F-4D97-AF65-F5344CB8AC3E}">
-        <p14:creationId xmlns:p14="http://schemas.microsoft.com/office/powerpoint/2010/main" val="1889302061"/>
+        <p14:creationId xmlns:p14="http://schemas.microsoft.com/office/powerpoint/2010/main" val="165897699"/>
       </p:ext>
     </p:extLst>
   </p:cSld>
@@ -1220,6 +1221,93 @@
             <a:fld id="{79CE77F9-1A7F-B148-A0AA-5828300D10BC}" type="slidenum">
               <a:rPr lang="pl-PL" smtClean="0"/>
               <a:t>14</a:t>
+            </a:fld>
+            <a:endParaRPr lang="pl-PL"/>
+          </a:p>
+        </p:txBody>
+      </p:sp>
+    </p:spTree>
+    <p:extLst>
+      <p:ext uri="{BB962C8B-B14F-4D97-AF65-F5344CB8AC3E}">
+        <p14:creationId xmlns:p14="http://schemas.microsoft.com/office/powerpoint/2010/main" val="1889302061"/>
+      </p:ext>
+    </p:extLst>
+  </p:cSld>
+  <p:clrMapOvr>
+    <a:masterClrMapping/>
+  </p:clrMapOvr>
+</p:notes>
+</file>
+
+<file path=ppt/notesSlides/notesSlide15.xml><?xml version="1.0" encoding="utf-8"?>
+<p:notes xmlns:a="http://schemas.openxmlformats.org/drawingml/2006/main" xmlns:r="http://schemas.openxmlformats.org/officeDocument/2006/relationships" xmlns:p="http://schemas.openxmlformats.org/presentationml/2006/main">
+  <p:cSld>
+    <p:spTree>
+      <p:nvGrpSpPr>
+        <p:cNvPr id="1" name=""/>
+        <p:cNvGrpSpPr/>
+        <p:nvPr/>
+      </p:nvGrpSpPr>
+      <p:grpSpPr>
+        <a:xfrm>
+          <a:off x="0" y="0"/>
+          <a:ext cx="0" cy="0"/>
+          <a:chOff x="0" y="0"/>
+          <a:chExt cx="0" cy="0"/>
+        </a:xfrm>
+      </p:grpSpPr>
+      <p:sp>
+        <p:nvSpPr>
+          <p:cNvPr id="2" name="Slide Image Placeholder 1"/>
+          <p:cNvSpPr>
+            <a:spLocks noGrp="1" noRot="1" noChangeAspect="1"/>
+          </p:cNvSpPr>
+          <p:nvPr>
+            <p:ph type="sldImg"/>
+          </p:nvPr>
+        </p:nvSpPr>
+        <p:spPr/>
+      </p:sp>
+      <p:sp>
+        <p:nvSpPr>
+          <p:cNvPr id="3" name="Notes Placeholder 2"/>
+          <p:cNvSpPr>
+            <a:spLocks noGrp="1"/>
+          </p:cNvSpPr>
+          <p:nvPr>
+            <p:ph type="body" idx="1"/>
+          </p:nvPr>
+        </p:nvSpPr>
+        <p:spPr/>
+        <p:txBody>
+          <a:bodyPr/>
+          <a:lstStyle/>
+          <a:p>
+            <a:pPr rtl="0"/>
+            <a:endParaRPr lang="pl-PL" dirty="0">
+              <a:effectLst/>
+            </a:endParaRPr>
+          </a:p>
+        </p:txBody>
+      </p:sp>
+      <p:sp>
+        <p:nvSpPr>
+          <p:cNvPr id="4" name="Slide Number Placeholder 3"/>
+          <p:cNvSpPr>
+            <a:spLocks noGrp="1"/>
+          </p:cNvSpPr>
+          <p:nvPr>
+            <p:ph type="sldNum" sz="quarter" idx="10"/>
+          </p:nvPr>
+        </p:nvSpPr>
+        <p:spPr/>
+        <p:txBody>
+          <a:bodyPr/>
+          <a:lstStyle/>
+          <a:p>
+            <a:fld id="{79CE77F9-1A7F-B148-A0AA-5828300D10BC}" type="slidenum">
+              <a:rPr lang="pl-PL" smtClean="0"/>
+              <a:t>15</a:t>
             </a:fld>
             <a:endParaRPr lang="pl-PL"/>
           </a:p>
@@ -1489,7 +1577,7 @@
     </p:spTree>
     <p:extLst>
       <p:ext uri="{BB962C8B-B14F-4D97-AF65-F5344CB8AC3E}">
-        <p14:creationId xmlns:p14="http://schemas.microsoft.com/office/powerpoint/2010/main" val="1565119106"/>
+        <p14:creationId xmlns:p14="http://schemas.microsoft.com/office/powerpoint/2010/main" val="980853558"/>
       </p:ext>
     </p:extLst>
   </p:cSld>
@@ -1576,7 +1664,7 @@
     </p:spTree>
     <p:extLst>
       <p:ext uri="{BB962C8B-B14F-4D97-AF65-F5344CB8AC3E}">
-        <p14:creationId xmlns:p14="http://schemas.microsoft.com/office/powerpoint/2010/main" val="1540063673"/>
+        <p14:creationId xmlns:p14="http://schemas.microsoft.com/office/powerpoint/2010/main" val="1565119106"/>
       </p:ext>
     </p:extLst>
   </p:cSld>
@@ -1663,7 +1751,7 @@
     </p:spTree>
     <p:extLst>
       <p:ext uri="{BB962C8B-B14F-4D97-AF65-F5344CB8AC3E}">
-        <p14:creationId xmlns:p14="http://schemas.microsoft.com/office/powerpoint/2010/main" val="3033722522"/>
+        <p14:creationId xmlns:p14="http://schemas.microsoft.com/office/powerpoint/2010/main" val="1540063673"/>
       </p:ext>
     </p:extLst>
   </p:cSld>
@@ -1750,7 +1838,7 @@
     </p:spTree>
     <p:extLst>
       <p:ext uri="{BB962C8B-B14F-4D97-AF65-F5344CB8AC3E}">
-        <p14:creationId xmlns:p14="http://schemas.microsoft.com/office/powerpoint/2010/main" val="1832548657"/>
+        <p14:creationId xmlns:p14="http://schemas.microsoft.com/office/powerpoint/2010/main" val="3033722522"/>
       </p:ext>
     </p:extLst>
   </p:cSld>
@@ -1837,7 +1925,7 @@
     </p:spTree>
     <p:extLst>
       <p:ext uri="{BB962C8B-B14F-4D97-AF65-F5344CB8AC3E}">
-        <p14:creationId xmlns:p14="http://schemas.microsoft.com/office/powerpoint/2010/main" val="49512947"/>
+        <p14:creationId xmlns:p14="http://schemas.microsoft.com/office/powerpoint/2010/main" val="1832548657"/>
       </p:ext>
     </p:extLst>
   </p:cSld>
@@ -1924,7 +2012,7 @@
     </p:spTree>
     <p:extLst>
       <p:ext uri="{BB962C8B-B14F-4D97-AF65-F5344CB8AC3E}">
-        <p14:creationId xmlns:p14="http://schemas.microsoft.com/office/powerpoint/2010/main" val="2048700726"/>
+        <p14:creationId xmlns:p14="http://schemas.microsoft.com/office/powerpoint/2010/main" val="49512947"/>
       </p:ext>
     </p:extLst>
   </p:cSld>
@@ -2113,7 +2201,7 @@
           <a:p>
             <a:fld id="{91017B01-0C30-B241-B19F-621BE4770608}" type="datetimeFigureOut">
               <a:rPr lang="pl-PL" smtClean="0"/>
-              <a:t>07.12.2023</a:t>
+              <a:t>08.12.2023</a:t>
             </a:fld>
             <a:endParaRPr lang="pl-PL"/>
           </a:p>
@@ -2282,7 +2370,7 @@
           <a:p>
             <a:fld id="{91017B01-0C30-B241-B19F-621BE4770608}" type="datetimeFigureOut">
               <a:rPr lang="pl-PL" smtClean="0"/>
-              <a:t>07.12.2023</a:t>
+              <a:t>08.12.2023</a:t>
             </a:fld>
             <a:endParaRPr lang="pl-PL"/>
           </a:p>
@@ -2461,7 +2549,7 @@
           <a:p>
             <a:fld id="{91017B01-0C30-B241-B19F-621BE4770608}" type="datetimeFigureOut">
               <a:rPr lang="pl-PL" smtClean="0"/>
-              <a:t>07.12.2023</a:t>
+              <a:t>08.12.2023</a:t>
             </a:fld>
             <a:endParaRPr lang="pl-PL"/>
           </a:p>
@@ -2630,7 +2718,7 @@
           <a:p>
             <a:fld id="{91017B01-0C30-B241-B19F-621BE4770608}" type="datetimeFigureOut">
               <a:rPr lang="pl-PL" smtClean="0"/>
-              <a:t>07.12.2023</a:t>
+              <a:t>08.12.2023</a:t>
             </a:fld>
             <a:endParaRPr lang="pl-PL"/>
           </a:p>
@@ -2876,7 +2964,7 @@
           <a:p>
             <a:fld id="{91017B01-0C30-B241-B19F-621BE4770608}" type="datetimeFigureOut">
               <a:rPr lang="pl-PL" smtClean="0"/>
-              <a:t>07.12.2023</a:t>
+              <a:t>08.12.2023</a:t>
             </a:fld>
             <a:endParaRPr lang="pl-PL"/>
           </a:p>
@@ -3162,7 +3250,7 @@
           <a:p>
             <a:fld id="{91017B01-0C30-B241-B19F-621BE4770608}" type="datetimeFigureOut">
               <a:rPr lang="pl-PL" smtClean="0"/>
-              <a:t>07.12.2023</a:t>
+              <a:t>08.12.2023</a:t>
             </a:fld>
             <a:endParaRPr lang="pl-PL"/>
           </a:p>
@@ -3582,7 +3670,7 @@
           <a:p>
             <a:fld id="{91017B01-0C30-B241-B19F-621BE4770608}" type="datetimeFigureOut">
               <a:rPr lang="pl-PL" smtClean="0"/>
-              <a:t>07.12.2023</a:t>
+              <a:t>08.12.2023</a:t>
             </a:fld>
             <a:endParaRPr lang="pl-PL"/>
           </a:p>
@@ -3700,7 +3788,7 @@
           <a:p>
             <a:fld id="{91017B01-0C30-B241-B19F-621BE4770608}" type="datetimeFigureOut">
               <a:rPr lang="pl-PL" smtClean="0"/>
-              <a:t>07.12.2023</a:t>
+              <a:t>08.12.2023</a:t>
             </a:fld>
             <a:endParaRPr lang="pl-PL"/>
           </a:p>
@@ -3796,7 +3884,7 @@
           <a:p>
             <a:fld id="{91017B01-0C30-B241-B19F-621BE4770608}" type="datetimeFigureOut">
               <a:rPr lang="pl-PL" smtClean="0"/>
-              <a:t>07.12.2023</a:t>
+              <a:t>08.12.2023</a:t>
             </a:fld>
             <a:endParaRPr lang="pl-PL"/>
           </a:p>
@@ -4073,7 +4161,7 @@
           <a:p>
             <a:fld id="{91017B01-0C30-B241-B19F-621BE4770608}" type="datetimeFigureOut">
               <a:rPr lang="pl-PL" smtClean="0"/>
-              <a:t>07.12.2023</a:t>
+              <a:t>08.12.2023</a:t>
             </a:fld>
             <a:endParaRPr lang="pl-PL"/>
           </a:p>
@@ -4329,7 +4417,7 @@
           <a:p>
             <a:fld id="{91017B01-0C30-B241-B19F-621BE4770608}" type="datetimeFigureOut">
               <a:rPr lang="pl-PL" smtClean="0"/>
-              <a:t>07.12.2023</a:t>
+              <a:t>08.12.2023</a:t>
             </a:fld>
             <a:endParaRPr lang="pl-PL"/>
           </a:p>
@@ -4541,7 +4629,7 @@
           <a:p>
             <a:fld id="{91017B01-0C30-B241-B19F-621BE4770608}" type="datetimeFigureOut">
               <a:rPr lang="pl-PL" smtClean="0"/>
-              <a:t>07.12.2023</a:t>
+              <a:t>08.12.2023</a:t>
             </a:fld>
             <a:endParaRPr lang="pl-PL"/>
           </a:p>
@@ -5143,6 +5231,122 @@
       </p:sp>
       <p:pic>
         <p:nvPicPr>
+          <p:cNvPr id="6" name="Obraz 5">
+            <a:extLst>
+              <a:ext uri="{FF2B5EF4-FFF2-40B4-BE49-F238E27FC236}">
+                <a16:creationId xmlns:a16="http://schemas.microsoft.com/office/drawing/2014/main" id="{4801B9EB-D40B-7AF7-8154-B2129E07F958}"/>
+              </a:ext>
+            </a:extLst>
+          </p:cNvPr>
+          <p:cNvPicPr>
+            <a:picLocks noChangeAspect="1"/>
+          </p:cNvPicPr>
+          <p:nvPr/>
+        </p:nvPicPr>
+        <p:blipFill>
+          <a:blip r:embed="rId4"/>
+          <a:stretch>
+            <a:fillRect/>
+          </a:stretch>
+        </p:blipFill>
+        <p:spPr>
+          <a:xfrm>
+            <a:off x="2335132" y="836712"/>
+            <a:ext cx="5195728" cy="6021288"/>
+          </a:xfrm>
+          <a:prstGeom prst="rect">
+            <a:avLst/>
+          </a:prstGeom>
+        </p:spPr>
+      </p:pic>
+    </p:spTree>
+    <p:extLst>
+      <p:ext uri="{BB962C8B-B14F-4D97-AF65-F5344CB8AC3E}">
+        <p14:creationId xmlns:p14="http://schemas.microsoft.com/office/powerpoint/2010/main" val="3150721245"/>
+      </p:ext>
+    </p:extLst>
+  </p:cSld>
+  <p:clrMapOvr>
+    <a:masterClrMapping/>
+  </p:clrMapOvr>
+</p:sld>
+</file>
+
+<file path=ppt/slides/slide11.xml><?xml version="1.0" encoding="utf-8"?>
+<p:sld xmlns:a="http://schemas.openxmlformats.org/drawingml/2006/main" xmlns:r="http://schemas.openxmlformats.org/officeDocument/2006/relationships" xmlns:p="http://schemas.openxmlformats.org/presentationml/2006/main">
+  <p:cSld>
+    <p:bg>
+      <p:bgPr>
+        <a:blipFill dpi="0" rotWithShape="0">
+          <a:blip r:embed="rId3" cstate="print"/>
+          <a:srcRect/>
+          <a:stretch>
+            <a:fillRect/>
+          </a:stretch>
+        </a:blipFill>
+        <a:effectLst/>
+      </p:bgPr>
+    </p:bg>
+    <p:spTree>
+      <p:nvGrpSpPr>
+        <p:cNvPr id="1" name=""/>
+        <p:cNvGrpSpPr/>
+        <p:nvPr/>
+      </p:nvGrpSpPr>
+      <p:grpSpPr>
+        <a:xfrm>
+          <a:off x="0" y="0"/>
+          <a:ext cx="0" cy="0"/>
+          <a:chOff x="0" y="0"/>
+          <a:chExt cx="0" cy="0"/>
+        </a:xfrm>
+      </p:grpSpPr>
+      <p:sp>
+        <p:nvSpPr>
+          <p:cNvPr id="2" name="Rectangle 1"/>
+          <p:cNvSpPr/>
+          <p:nvPr/>
+        </p:nvSpPr>
+        <p:spPr>
+          <a:xfrm>
+            <a:off x="2796750" y="244941"/>
+            <a:ext cx="5879706" cy="492443"/>
+          </a:xfrm>
+          <a:prstGeom prst="rect">
+            <a:avLst/>
+          </a:prstGeom>
+        </p:spPr>
+        <p:txBody>
+          <a:bodyPr wrap="square">
+            <a:spAutoFit/>
+          </a:bodyPr>
+          <a:lstStyle/>
+          <a:p>
+            <a:pPr algn="ctr"/>
+            <a:r>
+              <a:rPr lang="pl-PL" sz="2600" dirty="0" err="1">
+                <a:solidFill>
+                  <a:schemeClr val="bg1"/>
+                </a:solidFill>
+                <a:latin typeface="Verdana" panose="020B0604030504040204" pitchFamily="34" charset="0"/>
+                <a:ea typeface="Verdana" panose="020B0604030504040204" pitchFamily="34" charset="0"/>
+                <a:cs typeface="Verdana" panose="020B0604030504040204" pitchFamily="34" charset="0"/>
+              </a:rPr>
+              <a:t>PagingSource</a:t>
+            </a:r>
+            <a:endParaRPr lang="pl-PL" sz="2600" dirty="0">
+              <a:solidFill>
+                <a:schemeClr val="bg1"/>
+              </a:solidFill>
+              <a:latin typeface="Verdana" panose="020B0604030504040204" pitchFamily="34" charset="0"/>
+              <a:ea typeface="Verdana" panose="020B0604030504040204" pitchFamily="34" charset="0"/>
+              <a:cs typeface="Verdana" panose="020B0604030504040204" pitchFamily="34" charset="0"/>
+            </a:endParaRPr>
+          </a:p>
+        </p:txBody>
+      </p:sp>
+      <p:pic>
+        <p:nvPicPr>
           <p:cNvPr id="4" name="Obraz 3">
             <a:extLst>
               <a:ext uri="{FF2B5EF4-FFF2-40B4-BE49-F238E27FC236}">
@@ -5184,7 +5388,7 @@
 </p:sld>
 </file>
 
-<file path=ppt/slides/slide11.xml><?xml version="1.0" encoding="utf-8"?>
+<file path=ppt/slides/slide12.xml><?xml version="1.0" encoding="utf-8"?>
 <p:sld xmlns:a="http://schemas.openxmlformats.org/drawingml/2006/main" xmlns:r="http://schemas.openxmlformats.org/officeDocument/2006/relationships" xmlns:p="http://schemas.openxmlformats.org/presentationml/2006/main">
   <p:cSld>
     <p:bg>
@@ -5330,7 +5534,7 @@
 </p:sld>
 </file>
 
-<file path=ppt/slides/slide12.xml><?xml version="1.0" encoding="utf-8"?>
+<file path=ppt/slides/slide13.xml><?xml version="1.0" encoding="utf-8"?>
 <p:sld xmlns:a="http://schemas.openxmlformats.org/drawingml/2006/main" xmlns:r="http://schemas.openxmlformats.org/officeDocument/2006/relationships" xmlns:p="http://schemas.openxmlformats.org/presentationml/2006/main">
   <p:cSld>
     <p:bg>
@@ -5498,7 +5702,7 @@
 </p:sld>
 </file>
 
-<file path=ppt/slides/slide13.xml><?xml version="1.0" encoding="utf-8"?>
+<file path=ppt/slides/slide14.xml><?xml version="1.0" encoding="utf-8"?>
 <p:sld xmlns:a="http://schemas.openxmlformats.org/drawingml/2006/main" xmlns:r="http://schemas.openxmlformats.org/officeDocument/2006/relationships" xmlns:p="http://schemas.openxmlformats.org/presentationml/2006/main">
   <p:cSld>
     <p:bg>
@@ -5614,7 +5818,7 @@
 </p:sld>
 </file>
 
-<file path=ppt/slides/slide14.xml><?xml version="1.0" encoding="utf-8"?>
+<file path=ppt/slides/slide15.xml><?xml version="1.0" encoding="utf-8"?>
 <p:sld xmlns:a="http://schemas.openxmlformats.org/drawingml/2006/main" xmlns:r="http://schemas.openxmlformats.org/officeDocument/2006/relationships" xmlns:p="http://schemas.openxmlformats.org/presentationml/2006/main">
   <p:cSld>
     <p:bg>
@@ -6123,6 +6327,174 @@
       </p:sp>
       <p:pic>
         <p:nvPicPr>
+          <p:cNvPr id="1026" name="Picture 2" descr="How to Implement The Paging 3 Library in Android Kotlin?">
+            <a:extLst>
+              <a:ext uri="{FF2B5EF4-FFF2-40B4-BE49-F238E27FC236}">
+                <a16:creationId xmlns:a16="http://schemas.microsoft.com/office/drawing/2014/main" id="{8D99EBDB-877B-CA1E-4E93-AEFAA67341D4}"/>
+              </a:ext>
+            </a:extLst>
+          </p:cNvPr>
+          <p:cNvPicPr>
+            <a:picLocks noChangeAspect="1" noChangeArrowheads="1"/>
+          </p:cNvPicPr>
+          <p:nvPr/>
+        </p:nvPicPr>
+        <p:blipFill>
+          <a:blip r:embed="rId4">
+            <a:extLst>
+              <a:ext uri="{28A0092B-C50C-407E-A947-70E740481C1C}">
+                <a14:useLocalDpi xmlns:a14="http://schemas.microsoft.com/office/drawing/2010/main" val="0"/>
+              </a:ext>
+            </a:extLst>
+          </a:blip>
+          <a:srcRect/>
+          <a:stretch>
+            <a:fillRect/>
+          </a:stretch>
+        </p:blipFill>
+        <p:spPr bwMode="auto">
+          <a:xfrm>
+            <a:off x="0" y="1638300"/>
+            <a:ext cx="9144000" cy="3581400"/>
+          </a:xfrm>
+          <a:prstGeom prst="rect">
+            <a:avLst/>
+          </a:prstGeom>
+          <a:noFill/>
+          <a:extLst>
+            <a:ext uri="{909E8E84-426E-40DD-AFC4-6F175D3DCCD1}">
+              <a14:hiddenFill xmlns:a14="http://schemas.microsoft.com/office/drawing/2010/main">
+                <a:solidFill>
+                  <a:srgbClr val="FFFFFF"/>
+                </a:solidFill>
+              </a14:hiddenFill>
+            </a:ext>
+          </a:extLst>
+        </p:spPr>
+      </p:pic>
+      <p:sp>
+        <p:nvSpPr>
+          <p:cNvPr id="4" name="pole tekstowe 3">
+            <a:extLst>
+              <a:ext uri="{FF2B5EF4-FFF2-40B4-BE49-F238E27FC236}">
+                <a16:creationId xmlns:a16="http://schemas.microsoft.com/office/drawing/2014/main" id="{8A5FC066-FB88-CB90-FA10-A6BF4DB74A4B}"/>
+              </a:ext>
+            </a:extLst>
+          </p:cNvPr>
+          <p:cNvSpPr txBox="1"/>
+          <p:nvPr/>
+        </p:nvSpPr>
+        <p:spPr>
+          <a:xfrm>
+            <a:off x="4283968" y="5949280"/>
+            <a:ext cx="4572000" cy="461665"/>
+          </a:xfrm>
+          <a:prstGeom prst="rect">
+            <a:avLst/>
+          </a:prstGeom>
+          <a:noFill/>
+        </p:spPr>
+        <p:txBody>
+          <a:bodyPr wrap="square">
+            <a:spAutoFit/>
+          </a:bodyPr>
+          <a:lstStyle/>
+          <a:p>
+            <a:r>
+              <a:rPr lang="pl-PL" dirty="0"/>
+              <a:t>https://www.google.com/url?sa=i&amp;url=https%3A%2F%2Fwww.oneclickitsolution.com%2Fblog%2Fpaging-3-library-in-android%2F</a:t>
+            </a:r>
+          </a:p>
+        </p:txBody>
+      </p:sp>
+    </p:spTree>
+    <p:extLst>
+      <p:ext uri="{BB962C8B-B14F-4D97-AF65-F5344CB8AC3E}">
+        <p14:creationId xmlns:p14="http://schemas.microsoft.com/office/powerpoint/2010/main" val="3295560902"/>
+      </p:ext>
+    </p:extLst>
+  </p:cSld>
+  <p:clrMapOvr>
+    <a:masterClrMapping/>
+  </p:clrMapOvr>
+</p:sld>
+</file>
+
+<file path=ppt/slides/slide5.xml><?xml version="1.0" encoding="utf-8"?>
+<p:sld xmlns:a="http://schemas.openxmlformats.org/drawingml/2006/main" xmlns:r="http://schemas.openxmlformats.org/officeDocument/2006/relationships" xmlns:p="http://schemas.openxmlformats.org/presentationml/2006/main">
+  <p:cSld>
+    <p:bg>
+      <p:bgPr>
+        <a:blipFill dpi="0" rotWithShape="0">
+          <a:blip r:embed="rId3" cstate="print"/>
+          <a:srcRect/>
+          <a:stretch>
+            <a:fillRect/>
+          </a:stretch>
+        </a:blipFill>
+        <a:effectLst/>
+      </p:bgPr>
+    </p:bg>
+    <p:spTree>
+      <p:nvGrpSpPr>
+        <p:cNvPr id="1" name=""/>
+        <p:cNvGrpSpPr/>
+        <p:nvPr/>
+      </p:nvGrpSpPr>
+      <p:grpSpPr>
+        <a:xfrm>
+          <a:off x="0" y="0"/>
+          <a:ext cx="0" cy="0"/>
+          <a:chOff x="0" y="0"/>
+          <a:chExt cx="0" cy="0"/>
+        </a:xfrm>
+      </p:grpSpPr>
+      <p:sp>
+        <p:nvSpPr>
+          <p:cNvPr id="2" name="Rectangle 1"/>
+          <p:cNvSpPr/>
+          <p:nvPr/>
+        </p:nvSpPr>
+        <p:spPr>
+          <a:xfrm>
+            <a:off x="2796750" y="244941"/>
+            <a:ext cx="5879706" cy="492443"/>
+          </a:xfrm>
+          <a:prstGeom prst="rect">
+            <a:avLst/>
+          </a:prstGeom>
+        </p:spPr>
+        <p:txBody>
+          <a:bodyPr wrap="square">
+            <a:spAutoFit/>
+          </a:bodyPr>
+          <a:lstStyle/>
+          <a:p>
+            <a:pPr algn="ctr"/>
+            <a:r>
+              <a:rPr lang="pl-PL" sz="2600" dirty="0" err="1">
+                <a:solidFill>
+                  <a:schemeClr val="bg1"/>
+                </a:solidFill>
+                <a:latin typeface="Verdana" panose="020B0604030504040204" pitchFamily="34" charset="0"/>
+                <a:ea typeface="Verdana" panose="020B0604030504040204" pitchFamily="34" charset="0"/>
+                <a:cs typeface="Verdana" panose="020B0604030504040204" pitchFamily="34" charset="0"/>
+              </a:rPr>
+              <a:t>Paging</a:t>
+            </a:r>
+            <a:endParaRPr lang="pl-PL" sz="2600" dirty="0">
+              <a:solidFill>
+                <a:schemeClr val="bg1"/>
+              </a:solidFill>
+              <a:latin typeface="Verdana" panose="020B0604030504040204" pitchFamily="34" charset="0"/>
+              <a:ea typeface="Verdana" panose="020B0604030504040204" pitchFamily="34" charset="0"/>
+              <a:cs typeface="Verdana" panose="020B0604030504040204" pitchFamily="34" charset="0"/>
+            </a:endParaRPr>
+          </a:p>
+        </p:txBody>
+      </p:sp>
+      <p:pic>
+        <p:nvPicPr>
           <p:cNvPr id="5" name="Obraz 4">
             <a:extLst>
               <a:ext uri="{FF2B5EF4-FFF2-40B4-BE49-F238E27FC236}">
@@ -6164,7 +6536,7 @@
 </p:sld>
 </file>
 
-<file path=ppt/slides/slide5.xml><?xml version="1.0" encoding="utf-8"?>
+<file path=ppt/slides/slide6.xml><?xml version="1.0" encoding="utf-8"?>
 <p:sld xmlns:a="http://schemas.openxmlformats.org/drawingml/2006/main" xmlns:r="http://schemas.openxmlformats.org/officeDocument/2006/relationships" xmlns:p="http://schemas.openxmlformats.org/presentationml/2006/main">
   <p:cSld>
     <p:bg>
@@ -6272,7 +6644,7 @@
 </p:sld>
 </file>
 
-<file path=ppt/slides/slide6.xml><?xml version="1.0" encoding="utf-8"?>
+<file path=ppt/slides/slide7.xml><?xml version="1.0" encoding="utf-8"?>
 <p:sld xmlns:a="http://schemas.openxmlformats.org/drawingml/2006/main" xmlns:r="http://schemas.openxmlformats.org/officeDocument/2006/relationships" xmlns:p="http://schemas.openxmlformats.org/presentationml/2006/main">
   <p:cSld>
     <p:bg>
@@ -6380,7 +6752,7 @@
 </p:sld>
 </file>
 
-<file path=ppt/slides/slide7.xml><?xml version="1.0" encoding="utf-8"?>
+<file path=ppt/slides/slide8.xml><?xml version="1.0" encoding="utf-8"?>
 <p:sld xmlns:a="http://schemas.openxmlformats.org/drawingml/2006/main" xmlns:r="http://schemas.openxmlformats.org/officeDocument/2006/relationships" xmlns:p="http://schemas.openxmlformats.org/presentationml/2006/main">
   <p:cSld>
     <p:bg>
@@ -6556,7 +6928,7 @@
 </p:sld>
 </file>
 
-<file path=ppt/slides/slide8.xml><?xml version="1.0" encoding="utf-8"?>
+<file path=ppt/slides/slide9.xml><?xml version="1.0" encoding="utf-8"?>
 <p:sld xmlns:a="http://schemas.openxmlformats.org/drawingml/2006/main" xmlns:r="http://schemas.openxmlformats.org/officeDocument/2006/relationships" xmlns:p="http://schemas.openxmlformats.org/presentationml/2006/main">
   <p:cSld>
     <p:bg>
@@ -6753,122 +7125,6 @@
     <p:extLst>
       <p:ext uri="{BB962C8B-B14F-4D97-AF65-F5344CB8AC3E}">
         <p14:creationId xmlns:p14="http://schemas.microsoft.com/office/powerpoint/2010/main" val="1285589840"/>
-      </p:ext>
-    </p:extLst>
-  </p:cSld>
-  <p:clrMapOvr>
-    <a:masterClrMapping/>
-  </p:clrMapOvr>
-</p:sld>
-</file>
-
-<file path=ppt/slides/slide9.xml><?xml version="1.0" encoding="utf-8"?>
-<p:sld xmlns:a="http://schemas.openxmlformats.org/drawingml/2006/main" xmlns:r="http://schemas.openxmlformats.org/officeDocument/2006/relationships" xmlns:p="http://schemas.openxmlformats.org/presentationml/2006/main">
-  <p:cSld>
-    <p:bg>
-      <p:bgPr>
-        <a:blipFill dpi="0" rotWithShape="0">
-          <a:blip r:embed="rId3" cstate="print"/>
-          <a:srcRect/>
-          <a:stretch>
-            <a:fillRect/>
-          </a:stretch>
-        </a:blipFill>
-        <a:effectLst/>
-      </p:bgPr>
-    </p:bg>
-    <p:spTree>
-      <p:nvGrpSpPr>
-        <p:cNvPr id="1" name=""/>
-        <p:cNvGrpSpPr/>
-        <p:nvPr/>
-      </p:nvGrpSpPr>
-      <p:grpSpPr>
-        <a:xfrm>
-          <a:off x="0" y="0"/>
-          <a:ext cx="0" cy="0"/>
-          <a:chOff x="0" y="0"/>
-          <a:chExt cx="0" cy="0"/>
-        </a:xfrm>
-      </p:grpSpPr>
-      <p:sp>
-        <p:nvSpPr>
-          <p:cNvPr id="2" name="Rectangle 1"/>
-          <p:cNvSpPr/>
-          <p:nvPr/>
-        </p:nvSpPr>
-        <p:spPr>
-          <a:xfrm>
-            <a:off x="2796750" y="244941"/>
-            <a:ext cx="5879706" cy="492443"/>
-          </a:xfrm>
-          <a:prstGeom prst="rect">
-            <a:avLst/>
-          </a:prstGeom>
-        </p:spPr>
-        <p:txBody>
-          <a:bodyPr wrap="square">
-            <a:spAutoFit/>
-          </a:bodyPr>
-          <a:lstStyle/>
-          <a:p>
-            <a:pPr algn="ctr"/>
-            <a:r>
-              <a:rPr lang="pl-PL" sz="2600" dirty="0" err="1">
-                <a:solidFill>
-                  <a:schemeClr val="bg1"/>
-                </a:solidFill>
-                <a:latin typeface="Verdana" panose="020B0604030504040204" pitchFamily="34" charset="0"/>
-                <a:ea typeface="Verdana" panose="020B0604030504040204" pitchFamily="34" charset="0"/>
-                <a:cs typeface="Verdana" panose="020B0604030504040204" pitchFamily="34" charset="0"/>
-              </a:rPr>
-              <a:t>PagingSource</a:t>
-            </a:r>
-            <a:endParaRPr lang="pl-PL" sz="2600" dirty="0">
-              <a:solidFill>
-                <a:schemeClr val="bg1"/>
-              </a:solidFill>
-              <a:latin typeface="Verdana" panose="020B0604030504040204" pitchFamily="34" charset="0"/>
-              <a:ea typeface="Verdana" panose="020B0604030504040204" pitchFamily="34" charset="0"/>
-              <a:cs typeface="Verdana" panose="020B0604030504040204" pitchFamily="34" charset="0"/>
-            </a:endParaRPr>
-          </a:p>
-        </p:txBody>
-      </p:sp>
-      <p:pic>
-        <p:nvPicPr>
-          <p:cNvPr id="6" name="Obraz 5">
-            <a:extLst>
-              <a:ext uri="{FF2B5EF4-FFF2-40B4-BE49-F238E27FC236}">
-                <a16:creationId xmlns:a16="http://schemas.microsoft.com/office/drawing/2014/main" id="{4801B9EB-D40B-7AF7-8154-B2129E07F958}"/>
-              </a:ext>
-            </a:extLst>
-          </p:cNvPr>
-          <p:cNvPicPr>
-            <a:picLocks noChangeAspect="1"/>
-          </p:cNvPicPr>
-          <p:nvPr/>
-        </p:nvPicPr>
-        <p:blipFill>
-          <a:blip r:embed="rId4"/>
-          <a:stretch>
-            <a:fillRect/>
-          </a:stretch>
-        </p:blipFill>
-        <p:spPr>
-          <a:xfrm>
-            <a:off x="2335132" y="836712"/>
-            <a:ext cx="5195728" cy="6021288"/>
-          </a:xfrm>
-          <a:prstGeom prst="rect">
-            <a:avLst/>
-          </a:prstGeom>
-        </p:spPr>
-      </p:pic>
-    </p:spTree>
-    <p:extLst>
-      <p:ext uri="{BB962C8B-B14F-4D97-AF65-F5344CB8AC3E}">
-        <p14:creationId xmlns:p14="http://schemas.microsoft.com/office/powerpoint/2010/main" val="3150721245"/>
       </p:ext>
     </p:extLst>
   </p:cSld>
